--- a/fp-images.pptx
+++ b/fp-images.pptx
@@ -359,9 +359,28 @@
   <p:clrMapOvr>
     <a:masterClrMapping/>
   </p:clrMapOvr>
-  <p:transition spd="slow" advClick="0" advTm="4000">
-    <p:wipe/>
-  </p:transition>
+  <mc:AlternateContent xmlns:mc="http://schemas.openxmlformats.org/markup-compatibility/2006">
+    <mc:Choice xmlns:p14="http://schemas.microsoft.com/office/powerpoint/2010/main" Requires="p14">
+      <p:transition spd="slow" p14:dur="1500" advClick="0" advTm="5000">
+        <p:random/>
+        <p:sndAc>
+          <p:stSnd>
+            <p:snd r:embed="rId1" name="camera.wav"/>
+          </p:stSnd>
+        </p:sndAc>
+      </p:transition>
+    </mc:Choice>
+    <mc:Fallback>
+      <p:transition spd="slow" advClick="0" advTm="5000">
+        <p:random/>
+        <p:sndAc>
+          <p:stSnd>
+            <p:snd r:embed="rId1" name="camera.wav"/>
+          </p:stSnd>
+        </p:sndAc>
+      </p:transition>
+    </mc:Fallback>
+  </mc:AlternateContent>
 </p:sldLayout>
 </file>
 
@@ -560,9 +579,28 @@
   <p:clrMapOvr>
     <a:masterClrMapping/>
   </p:clrMapOvr>
-  <p:transition spd="slow" advClick="0" advTm="4000">
-    <p:wipe/>
-  </p:transition>
+  <mc:AlternateContent xmlns:mc="http://schemas.openxmlformats.org/markup-compatibility/2006">
+    <mc:Choice xmlns:p14="http://schemas.microsoft.com/office/powerpoint/2010/main" Requires="p14">
+      <p:transition spd="slow" p14:dur="1500" advClick="0" advTm="5000">
+        <p:random/>
+        <p:sndAc>
+          <p:stSnd>
+            <p:snd r:embed="rId1" name="camera.wav"/>
+          </p:stSnd>
+        </p:sndAc>
+      </p:transition>
+    </mc:Choice>
+    <mc:Fallback>
+      <p:transition spd="slow" advClick="0" advTm="5000">
+        <p:random/>
+        <p:sndAc>
+          <p:stSnd>
+            <p:snd r:embed="rId1" name="camera.wav"/>
+          </p:stSnd>
+        </p:sndAc>
+      </p:transition>
+    </mc:Fallback>
+  </mc:AlternateContent>
 </p:sldLayout>
 </file>
 
@@ -771,9 +809,28 @@
   <p:clrMapOvr>
     <a:masterClrMapping/>
   </p:clrMapOvr>
-  <p:transition spd="slow" advClick="0" advTm="4000">
-    <p:wipe/>
-  </p:transition>
+  <mc:AlternateContent xmlns:mc="http://schemas.openxmlformats.org/markup-compatibility/2006">
+    <mc:Choice xmlns:p14="http://schemas.microsoft.com/office/powerpoint/2010/main" Requires="p14">
+      <p:transition spd="slow" p14:dur="1500" advClick="0" advTm="5000">
+        <p:random/>
+        <p:sndAc>
+          <p:stSnd>
+            <p:snd r:embed="rId1" name="camera.wav"/>
+          </p:stSnd>
+        </p:sndAc>
+      </p:transition>
+    </mc:Choice>
+    <mc:Fallback>
+      <p:transition spd="slow" advClick="0" advTm="5000">
+        <p:random/>
+        <p:sndAc>
+          <p:stSnd>
+            <p:snd r:embed="rId1" name="camera.wav"/>
+          </p:stSnd>
+        </p:sndAc>
+      </p:transition>
+    </mc:Fallback>
+  </mc:AlternateContent>
 </p:sldLayout>
 </file>
 
@@ -972,9 +1029,28 @@
   <p:clrMapOvr>
     <a:masterClrMapping/>
   </p:clrMapOvr>
-  <p:transition spd="slow" advClick="0" advTm="4000">
-    <p:wipe/>
-  </p:transition>
+  <mc:AlternateContent xmlns:mc="http://schemas.openxmlformats.org/markup-compatibility/2006">
+    <mc:Choice xmlns:p14="http://schemas.microsoft.com/office/powerpoint/2010/main" Requires="p14">
+      <p:transition spd="slow" p14:dur="1500" advClick="0" advTm="5000">
+        <p:random/>
+        <p:sndAc>
+          <p:stSnd>
+            <p:snd r:embed="rId1" name="camera.wav"/>
+          </p:stSnd>
+        </p:sndAc>
+      </p:transition>
+    </mc:Choice>
+    <mc:Fallback>
+      <p:transition spd="slow" advClick="0" advTm="5000">
+        <p:random/>
+        <p:sndAc>
+          <p:stSnd>
+            <p:snd r:embed="rId1" name="camera.wav"/>
+          </p:stSnd>
+        </p:sndAc>
+      </p:transition>
+    </mc:Fallback>
+  </mc:AlternateContent>
 </p:sldLayout>
 </file>
 
@@ -1250,9 +1326,28 @@
   <p:clrMapOvr>
     <a:masterClrMapping/>
   </p:clrMapOvr>
-  <p:transition spd="slow" advClick="0" advTm="4000">
-    <p:wipe/>
-  </p:transition>
+  <mc:AlternateContent xmlns:mc="http://schemas.openxmlformats.org/markup-compatibility/2006">
+    <mc:Choice xmlns:p14="http://schemas.microsoft.com/office/powerpoint/2010/main" Requires="p14">
+      <p:transition spd="slow" p14:dur="1500" advClick="0" advTm="5000">
+        <p:random/>
+        <p:sndAc>
+          <p:stSnd>
+            <p:snd r:embed="rId1" name="camera.wav"/>
+          </p:stSnd>
+        </p:sndAc>
+      </p:transition>
+    </mc:Choice>
+    <mc:Fallback>
+      <p:transition spd="slow" advClick="0" advTm="5000">
+        <p:random/>
+        <p:sndAc>
+          <p:stSnd>
+            <p:snd r:embed="rId1" name="camera.wav"/>
+          </p:stSnd>
+        </p:sndAc>
+      </p:transition>
+    </mc:Fallback>
+  </mc:AlternateContent>
 </p:sldLayout>
 </file>
 
@@ -1518,9 +1613,28 @@
   <p:clrMapOvr>
     <a:masterClrMapping/>
   </p:clrMapOvr>
-  <p:transition spd="slow" advClick="0" advTm="4000">
-    <p:wipe/>
-  </p:transition>
+  <mc:AlternateContent xmlns:mc="http://schemas.openxmlformats.org/markup-compatibility/2006">
+    <mc:Choice xmlns:p14="http://schemas.microsoft.com/office/powerpoint/2010/main" Requires="p14">
+      <p:transition spd="slow" p14:dur="1500" advClick="0" advTm="5000">
+        <p:random/>
+        <p:sndAc>
+          <p:stSnd>
+            <p:snd r:embed="rId1" name="camera.wav"/>
+          </p:stSnd>
+        </p:sndAc>
+      </p:transition>
+    </mc:Choice>
+    <mc:Fallback>
+      <p:transition spd="slow" advClick="0" advTm="5000">
+        <p:random/>
+        <p:sndAc>
+          <p:stSnd>
+            <p:snd r:embed="rId1" name="camera.wav"/>
+          </p:stSnd>
+        </p:sndAc>
+      </p:transition>
+    </mc:Fallback>
+  </mc:AlternateContent>
 </p:sldLayout>
 </file>
 
@@ -1933,9 +2047,28 @@
   <p:clrMapOvr>
     <a:masterClrMapping/>
   </p:clrMapOvr>
-  <p:transition spd="slow" advClick="0" advTm="4000">
-    <p:wipe/>
-  </p:transition>
+  <mc:AlternateContent xmlns:mc="http://schemas.openxmlformats.org/markup-compatibility/2006">
+    <mc:Choice xmlns:p14="http://schemas.microsoft.com/office/powerpoint/2010/main" Requires="p14">
+      <p:transition spd="slow" p14:dur="1500" advClick="0" advTm="5000">
+        <p:random/>
+        <p:sndAc>
+          <p:stSnd>
+            <p:snd r:embed="rId1" name="camera.wav"/>
+          </p:stSnd>
+        </p:sndAc>
+      </p:transition>
+    </mc:Choice>
+    <mc:Fallback>
+      <p:transition spd="slow" advClick="0" advTm="5000">
+        <p:random/>
+        <p:sndAc>
+          <p:stSnd>
+            <p:snd r:embed="rId1" name="camera.wav"/>
+          </p:stSnd>
+        </p:sndAc>
+      </p:transition>
+    </mc:Fallback>
+  </mc:AlternateContent>
 </p:sldLayout>
 </file>
 
@@ -2077,9 +2210,28 @@
   <p:clrMapOvr>
     <a:masterClrMapping/>
   </p:clrMapOvr>
-  <p:transition spd="slow" advClick="0" advTm="4000">
-    <p:wipe/>
-  </p:transition>
+  <mc:AlternateContent xmlns:mc="http://schemas.openxmlformats.org/markup-compatibility/2006">
+    <mc:Choice xmlns:p14="http://schemas.microsoft.com/office/powerpoint/2010/main" Requires="p14">
+      <p:transition spd="slow" p14:dur="1500" advClick="0" advTm="5000">
+        <p:random/>
+        <p:sndAc>
+          <p:stSnd>
+            <p:snd r:embed="rId1" name="camera.wav"/>
+          </p:stSnd>
+        </p:sndAc>
+      </p:transition>
+    </mc:Choice>
+    <mc:Fallback>
+      <p:transition spd="slow" advClick="0" advTm="5000">
+        <p:random/>
+        <p:sndAc>
+          <p:stSnd>
+            <p:snd r:embed="rId1" name="camera.wav"/>
+          </p:stSnd>
+        </p:sndAc>
+      </p:transition>
+    </mc:Fallback>
+  </mc:AlternateContent>
 </p:sldLayout>
 </file>
 
@@ -2193,9 +2345,28 @@
   <p:clrMapOvr>
     <a:masterClrMapping/>
   </p:clrMapOvr>
-  <p:transition spd="slow" advClick="0" advTm="4000">
-    <p:wipe/>
-  </p:transition>
+  <mc:AlternateContent xmlns:mc="http://schemas.openxmlformats.org/markup-compatibility/2006">
+    <mc:Choice xmlns:p14="http://schemas.microsoft.com/office/powerpoint/2010/main" Requires="p14">
+      <p:transition spd="slow" p14:dur="1500" advClick="0" advTm="5000">
+        <p:random/>
+        <p:sndAc>
+          <p:stSnd>
+            <p:snd r:embed="rId1" name="camera.wav"/>
+          </p:stSnd>
+        </p:sndAc>
+      </p:transition>
+    </mc:Choice>
+    <mc:Fallback>
+      <p:transition spd="slow" advClick="0" advTm="5000">
+        <p:random/>
+        <p:sndAc>
+          <p:stSnd>
+            <p:snd r:embed="rId1" name="camera.wav"/>
+          </p:stSnd>
+        </p:sndAc>
+      </p:transition>
+    </mc:Fallback>
+  </mc:AlternateContent>
 </p:sldLayout>
 </file>
 
@@ -2507,9 +2678,28 @@
   <p:clrMapOvr>
     <a:masterClrMapping/>
   </p:clrMapOvr>
-  <p:transition spd="slow" advClick="0" advTm="4000">
-    <p:wipe/>
-  </p:transition>
+  <mc:AlternateContent xmlns:mc="http://schemas.openxmlformats.org/markup-compatibility/2006">
+    <mc:Choice xmlns:p14="http://schemas.microsoft.com/office/powerpoint/2010/main" Requires="p14">
+      <p:transition spd="slow" p14:dur="1500" advClick="0" advTm="5000">
+        <p:random/>
+        <p:sndAc>
+          <p:stSnd>
+            <p:snd r:embed="rId1" name="camera.wav"/>
+          </p:stSnd>
+        </p:sndAc>
+      </p:transition>
+    </mc:Choice>
+    <mc:Fallback>
+      <p:transition spd="slow" advClick="0" advTm="5000">
+        <p:random/>
+        <p:sndAc>
+          <p:stSnd>
+            <p:snd r:embed="rId1" name="camera.wav"/>
+          </p:stSnd>
+        </p:sndAc>
+      </p:transition>
+    </mc:Fallback>
+  </mc:AlternateContent>
 </p:sldLayout>
 </file>
 
@@ -2798,9 +2988,28 @@
   <p:clrMapOvr>
     <a:masterClrMapping/>
   </p:clrMapOvr>
-  <p:transition spd="slow" advClick="0" advTm="4000">
-    <p:wipe/>
-  </p:transition>
+  <mc:AlternateContent xmlns:mc="http://schemas.openxmlformats.org/markup-compatibility/2006">
+    <mc:Choice xmlns:p14="http://schemas.microsoft.com/office/powerpoint/2010/main" Requires="p14">
+      <p:transition spd="slow" p14:dur="1500" advClick="0" advTm="5000">
+        <p:random/>
+        <p:sndAc>
+          <p:stSnd>
+            <p:snd r:embed="rId1" name="camera.wav"/>
+          </p:stSnd>
+        </p:sndAc>
+      </p:transition>
+    </mc:Choice>
+    <mc:Fallback>
+      <p:transition spd="slow" advClick="0" advTm="5000">
+        <p:random/>
+        <p:sndAc>
+          <p:stSnd>
+            <p:snd r:embed="rId1" name="camera.wav"/>
+          </p:stSnd>
+        </p:sndAc>
+      </p:transition>
+    </mc:Fallback>
+  </mc:AlternateContent>
 </p:sldLayout>
 </file>
 
@@ -3089,9 +3298,28 @@
     <p:sldLayoutId id="2147483658" r:id="rId10"/>
     <p:sldLayoutId id="2147483659" r:id="rId11"/>
   </p:sldLayoutIdLst>
-  <p:transition spd="slow" advClick="0" advTm="4000">
-    <p:wipe/>
-  </p:transition>
+  <mc:AlternateContent xmlns:mc="http://schemas.openxmlformats.org/markup-compatibility/2006">
+    <mc:Choice xmlns:p14="http://schemas.microsoft.com/office/powerpoint/2010/main" Requires="p14">
+      <p:transition spd="slow" p14:dur="1500" advClick="0" advTm="5000">
+        <p:random/>
+        <p:sndAc>
+          <p:stSnd>
+            <p:snd r:embed="rId13" name="camera.wav"/>
+          </p:stSnd>
+        </p:sndAc>
+      </p:transition>
+    </mc:Choice>
+    <mc:Fallback>
+      <p:transition spd="slow" advClick="0" advTm="5000">
+        <p:random/>
+        <p:sndAc>
+          <p:stSnd>
+            <p:snd r:embed="rId13" name="camera.wav"/>
+          </p:stSnd>
+        </p:sndAc>
+      </p:transition>
+    </mc:Fallback>
+  </mc:AlternateContent>
   <p:txStyles>
     <p:titleStyle>
       <a:lvl1pPr algn="l" defTabSz="914400" rtl="0" eaLnBrk="1" latinLnBrk="0" hangingPunct="1">
@@ -3407,7 +3635,7 @@
           <p:nvPr/>
         </p:nvPicPr>
         <p:blipFill>
-          <a:blip r:embed="rId2">
+          <a:blip r:embed="rId3">
             <a:extLst>
               <a:ext uri="{28A0092B-C50C-407E-A947-70E740481C1C}">
                 <a14:useLocalDpi xmlns:a14="http://schemas.microsoft.com/office/drawing/2010/main" val="0"/>
@@ -3438,9 +3666,28 @@
   <p:clrMapOvr>
     <a:masterClrMapping/>
   </p:clrMapOvr>
-  <p:transition spd="slow" advClick="0" advTm="4000">
-    <p:randomBar dir="vert"/>
-  </p:transition>
+  <mc:AlternateContent xmlns:mc="http://schemas.openxmlformats.org/markup-compatibility/2006">
+    <mc:Choice xmlns:p14="http://schemas.microsoft.com/office/powerpoint/2010/main" Requires="p14">
+      <p:transition spd="slow" p14:dur="1500" advClick="0" advTm="5000">
+        <p:random/>
+        <p:sndAc>
+          <p:stSnd>
+            <p:snd r:embed="rId2" name="camera.wav"/>
+          </p:stSnd>
+        </p:sndAc>
+      </p:transition>
+    </mc:Choice>
+    <mc:Fallback>
+      <p:transition spd="slow" advClick="0" advTm="5000">
+        <p:random/>
+        <p:sndAc>
+          <p:stSnd>
+            <p:snd r:embed="rId2" name="camera.wav"/>
+          </p:stSnd>
+        </p:sndAc>
+      </p:transition>
+    </mc:Fallback>
+  </mc:AlternateContent>
 </p:sld>
 </file>
 
@@ -3476,7 +3723,7 @@
           <p:nvPr/>
         </p:nvPicPr>
         <p:blipFill>
-          <a:blip r:embed="rId2">
+          <a:blip r:embed="rId3">
             <a:extLst>
               <a:ext uri="{28A0092B-C50C-407E-A947-70E740481C1C}">
                 <a14:useLocalDpi xmlns:a14="http://schemas.microsoft.com/office/drawing/2010/main" val="0"/>
@@ -3507,9 +3754,28 @@
   <p:clrMapOvr>
     <a:masterClrMapping/>
   </p:clrMapOvr>
-  <p:transition spd="slow" advClick="0" advTm="4000">
-    <p:randomBar dir="vert"/>
-  </p:transition>
+  <mc:AlternateContent xmlns:mc="http://schemas.openxmlformats.org/markup-compatibility/2006">
+    <mc:Choice xmlns:p14="http://schemas.microsoft.com/office/powerpoint/2010/main" Requires="p14">
+      <p:transition spd="slow" p14:dur="1500" advClick="0" advTm="5000">
+        <p:random/>
+        <p:sndAc>
+          <p:stSnd>
+            <p:snd r:embed="rId2" name="camera.wav"/>
+          </p:stSnd>
+        </p:sndAc>
+      </p:transition>
+    </mc:Choice>
+    <mc:Fallback>
+      <p:transition spd="slow" advClick="0" advTm="5000">
+        <p:random/>
+        <p:sndAc>
+          <p:stSnd>
+            <p:snd r:embed="rId2" name="camera.wav"/>
+          </p:stSnd>
+        </p:sndAc>
+      </p:transition>
+    </mc:Fallback>
+  </mc:AlternateContent>
 </p:sld>
 </file>
 
@@ -3545,7 +3811,7 @@
           <p:nvPr/>
         </p:nvPicPr>
         <p:blipFill>
-          <a:blip r:embed="rId2">
+          <a:blip r:embed="rId3">
             <a:extLst>
               <a:ext uri="{28A0092B-C50C-407E-A947-70E740481C1C}">
                 <a14:useLocalDpi xmlns:a14="http://schemas.microsoft.com/office/drawing/2010/main" val="0"/>
@@ -3576,9 +3842,28 @@
   <p:clrMapOvr>
     <a:masterClrMapping/>
   </p:clrMapOvr>
-  <p:transition spd="slow" advClick="0" advTm="4000">
-    <p:randomBar dir="vert"/>
-  </p:transition>
+  <mc:AlternateContent xmlns:mc="http://schemas.openxmlformats.org/markup-compatibility/2006">
+    <mc:Choice xmlns:p14="http://schemas.microsoft.com/office/powerpoint/2010/main" Requires="p14">
+      <p:transition spd="slow" p14:dur="1500" advClick="0" advTm="5000">
+        <p:random/>
+        <p:sndAc>
+          <p:stSnd>
+            <p:snd r:embed="rId2" name="camera.wav"/>
+          </p:stSnd>
+        </p:sndAc>
+      </p:transition>
+    </mc:Choice>
+    <mc:Fallback>
+      <p:transition spd="slow" advClick="0" advTm="5000">
+        <p:random/>
+        <p:sndAc>
+          <p:stSnd>
+            <p:snd r:embed="rId2" name="camera.wav"/>
+          </p:stSnd>
+        </p:sndAc>
+      </p:transition>
+    </mc:Fallback>
+  </mc:AlternateContent>
 </p:sld>
 </file>
 
@@ -3614,7 +3899,7 @@
           <p:nvPr/>
         </p:nvPicPr>
         <p:blipFill>
-          <a:blip r:embed="rId2">
+          <a:blip r:embed="rId3">
             <a:extLst>
               <a:ext uri="{28A0092B-C50C-407E-A947-70E740481C1C}">
                 <a14:useLocalDpi xmlns:a14="http://schemas.microsoft.com/office/drawing/2010/main" val="0"/>
@@ -3645,9 +3930,28 @@
   <p:clrMapOvr>
     <a:masterClrMapping/>
   </p:clrMapOvr>
-  <p:transition spd="slow" advClick="0" advTm="4000">
-    <p:randomBar dir="vert"/>
-  </p:transition>
+  <mc:AlternateContent xmlns:mc="http://schemas.openxmlformats.org/markup-compatibility/2006">
+    <mc:Choice xmlns:p14="http://schemas.microsoft.com/office/powerpoint/2010/main" Requires="p14">
+      <p:transition spd="slow" p14:dur="1500" advClick="0" advTm="5000">
+        <p:random/>
+        <p:sndAc>
+          <p:stSnd>
+            <p:snd r:embed="rId2" name="camera.wav"/>
+          </p:stSnd>
+        </p:sndAc>
+      </p:transition>
+    </mc:Choice>
+    <mc:Fallback>
+      <p:transition spd="slow" advClick="0" advTm="5000">
+        <p:random/>
+        <p:sndAc>
+          <p:stSnd>
+            <p:snd r:embed="rId2" name="camera.wav"/>
+          </p:stSnd>
+        </p:sndAc>
+      </p:transition>
+    </mc:Fallback>
+  </mc:AlternateContent>
 </p:sld>
 </file>
 
@@ -3683,7 +3987,7 @@
           <p:nvPr/>
         </p:nvPicPr>
         <p:blipFill>
-          <a:blip r:embed="rId2">
+          <a:blip r:embed="rId3">
             <a:extLst>
               <a:ext uri="{28A0092B-C50C-407E-A947-70E740481C1C}">
                 <a14:useLocalDpi xmlns:a14="http://schemas.microsoft.com/office/drawing/2010/main" val="0"/>
@@ -3714,9 +4018,28 @@
   <p:clrMapOvr>
     <a:masterClrMapping/>
   </p:clrMapOvr>
-  <p:transition spd="slow" advClick="0" advTm="4000">
-    <p:randomBar dir="vert"/>
-  </p:transition>
+  <mc:AlternateContent xmlns:mc="http://schemas.openxmlformats.org/markup-compatibility/2006">
+    <mc:Choice xmlns:p14="http://schemas.microsoft.com/office/powerpoint/2010/main" Requires="p14">
+      <p:transition spd="slow" p14:dur="1500" advClick="0" advTm="5000">
+        <p:random/>
+        <p:sndAc>
+          <p:stSnd>
+            <p:snd r:embed="rId2" name="camera.wav"/>
+          </p:stSnd>
+        </p:sndAc>
+      </p:transition>
+    </mc:Choice>
+    <mc:Fallback>
+      <p:transition spd="slow" advClick="0" advTm="5000">
+        <p:random/>
+        <p:sndAc>
+          <p:stSnd>
+            <p:snd r:embed="rId2" name="camera.wav"/>
+          </p:stSnd>
+        </p:sndAc>
+      </p:transition>
+    </mc:Fallback>
+  </mc:AlternateContent>
 </p:sld>
 </file>
 
@@ -3752,7 +4075,7 @@
           <p:nvPr/>
         </p:nvPicPr>
         <p:blipFill>
-          <a:blip r:embed="rId2">
+          <a:blip r:embed="rId3">
             <a:extLst>
               <a:ext uri="{28A0092B-C50C-407E-A947-70E740481C1C}">
                 <a14:useLocalDpi xmlns:a14="http://schemas.microsoft.com/office/drawing/2010/main" val="0"/>
@@ -3783,9 +4106,28 @@
   <p:clrMapOvr>
     <a:masterClrMapping/>
   </p:clrMapOvr>
-  <p:transition spd="slow" advClick="0" advTm="4000">
-    <p:randomBar dir="vert"/>
-  </p:transition>
+  <mc:AlternateContent xmlns:mc="http://schemas.openxmlformats.org/markup-compatibility/2006">
+    <mc:Choice xmlns:p14="http://schemas.microsoft.com/office/powerpoint/2010/main" Requires="p14">
+      <p:transition spd="slow" p14:dur="1500" advClick="0" advTm="5000">
+        <p:random/>
+        <p:sndAc>
+          <p:stSnd>
+            <p:snd r:embed="rId2" name="camera.wav"/>
+          </p:stSnd>
+        </p:sndAc>
+      </p:transition>
+    </mc:Choice>
+    <mc:Fallback>
+      <p:transition spd="slow" advClick="0" advTm="5000">
+        <p:random/>
+        <p:sndAc>
+          <p:stSnd>
+            <p:snd r:embed="rId2" name="camera.wav"/>
+          </p:stSnd>
+        </p:sndAc>
+      </p:transition>
+    </mc:Fallback>
+  </mc:AlternateContent>
 </p:sld>
 </file>
 
@@ -3821,7 +4163,7 @@
           <p:nvPr/>
         </p:nvPicPr>
         <p:blipFill>
-          <a:blip r:embed="rId2">
+          <a:blip r:embed="rId3">
             <a:extLst>
               <a:ext uri="{28A0092B-C50C-407E-A947-70E740481C1C}">
                 <a14:useLocalDpi xmlns:a14="http://schemas.microsoft.com/office/drawing/2010/main" val="0"/>
@@ -3852,9 +4194,28 @@
   <p:clrMapOvr>
     <a:masterClrMapping/>
   </p:clrMapOvr>
-  <p:transition spd="slow" advClick="0" advTm="4000">
-    <p:randomBar dir="vert"/>
-  </p:transition>
+  <mc:AlternateContent xmlns:mc="http://schemas.openxmlformats.org/markup-compatibility/2006">
+    <mc:Choice xmlns:p14="http://schemas.microsoft.com/office/powerpoint/2010/main" Requires="p14">
+      <p:transition spd="slow" p14:dur="1500" advClick="0" advTm="5000">
+        <p:random/>
+        <p:sndAc>
+          <p:stSnd>
+            <p:snd r:embed="rId2" name="camera.wav"/>
+          </p:stSnd>
+        </p:sndAc>
+      </p:transition>
+    </mc:Choice>
+    <mc:Fallback>
+      <p:transition spd="slow" advClick="0" advTm="5000">
+        <p:random/>
+        <p:sndAc>
+          <p:stSnd>
+            <p:snd r:embed="rId2" name="camera.wav"/>
+          </p:stSnd>
+        </p:sndAc>
+      </p:transition>
+    </mc:Fallback>
+  </mc:AlternateContent>
 </p:sld>
 </file>
 
@@ -3890,7 +4251,7 @@
           <p:nvPr/>
         </p:nvPicPr>
         <p:blipFill>
-          <a:blip r:embed="rId2">
+          <a:blip r:embed="rId3">
             <a:extLst>
               <a:ext uri="{28A0092B-C50C-407E-A947-70E740481C1C}">
                 <a14:useLocalDpi xmlns:a14="http://schemas.microsoft.com/office/drawing/2010/main" val="0"/>
@@ -3921,9 +4282,28 @@
   <p:clrMapOvr>
     <a:masterClrMapping/>
   </p:clrMapOvr>
-  <p:transition spd="slow" advClick="0" advTm="4000">
-    <p:randomBar dir="vert"/>
-  </p:transition>
+  <mc:AlternateContent xmlns:mc="http://schemas.openxmlformats.org/markup-compatibility/2006">
+    <mc:Choice xmlns:p14="http://schemas.microsoft.com/office/powerpoint/2010/main" Requires="p14">
+      <p:transition spd="slow" p14:dur="1500" advClick="0" advTm="5000">
+        <p:random/>
+        <p:sndAc>
+          <p:stSnd>
+            <p:snd r:embed="rId2" name="camera.wav"/>
+          </p:stSnd>
+        </p:sndAc>
+      </p:transition>
+    </mc:Choice>
+    <mc:Fallback>
+      <p:transition spd="slow" advClick="0" advTm="5000">
+        <p:random/>
+        <p:sndAc>
+          <p:stSnd>
+            <p:snd r:embed="rId2" name="camera.wav"/>
+          </p:stSnd>
+        </p:sndAc>
+      </p:transition>
+    </mc:Fallback>
+  </mc:AlternateContent>
 </p:sld>
 </file>
 
@@ -3959,7 +4339,7 @@
           <p:nvPr/>
         </p:nvPicPr>
         <p:blipFill>
-          <a:blip r:embed="rId2">
+          <a:blip r:embed="rId3">
             <a:extLst>
               <a:ext uri="{28A0092B-C50C-407E-A947-70E740481C1C}">
                 <a14:useLocalDpi xmlns:a14="http://schemas.microsoft.com/office/drawing/2010/main" val="0"/>
@@ -3990,9 +4370,28 @@
   <p:clrMapOvr>
     <a:masterClrMapping/>
   </p:clrMapOvr>
-  <p:transition spd="slow" advClick="0" advTm="4000">
-    <p:randomBar dir="vert"/>
-  </p:transition>
+  <mc:AlternateContent xmlns:mc="http://schemas.openxmlformats.org/markup-compatibility/2006">
+    <mc:Choice xmlns:p14="http://schemas.microsoft.com/office/powerpoint/2010/main" Requires="p14">
+      <p:transition spd="slow" p14:dur="1500" advClick="0" advTm="5000">
+        <p:random/>
+        <p:sndAc>
+          <p:stSnd>
+            <p:snd r:embed="rId2" name="camera.wav"/>
+          </p:stSnd>
+        </p:sndAc>
+      </p:transition>
+    </mc:Choice>
+    <mc:Fallback>
+      <p:transition spd="slow" advClick="0" advTm="5000">
+        <p:random/>
+        <p:sndAc>
+          <p:stSnd>
+            <p:snd r:embed="rId2" name="camera.wav"/>
+          </p:stSnd>
+        </p:sndAc>
+      </p:transition>
+    </mc:Fallback>
+  </mc:AlternateContent>
 </p:sld>
 </file>
 
@@ -4028,7 +4427,7 @@
           <p:nvPr/>
         </p:nvPicPr>
         <p:blipFill>
-          <a:blip r:embed="rId2">
+          <a:blip r:embed="rId3">
             <a:extLst>
               <a:ext uri="{28A0092B-C50C-407E-A947-70E740481C1C}">
                 <a14:useLocalDpi xmlns:a14="http://schemas.microsoft.com/office/drawing/2010/main" val="0"/>
@@ -4059,9 +4458,28 @@
   <p:clrMapOvr>
     <a:masterClrMapping/>
   </p:clrMapOvr>
-  <p:transition spd="slow" advClick="0" advTm="4000">
-    <p:randomBar dir="vert"/>
-  </p:transition>
+  <mc:AlternateContent xmlns:mc="http://schemas.openxmlformats.org/markup-compatibility/2006">
+    <mc:Choice xmlns:p14="http://schemas.microsoft.com/office/powerpoint/2010/main" Requires="p14">
+      <p:transition spd="slow" p14:dur="1500" advClick="0" advTm="5000">
+        <p:random/>
+        <p:sndAc>
+          <p:stSnd>
+            <p:snd r:embed="rId2" name="camera.wav"/>
+          </p:stSnd>
+        </p:sndAc>
+      </p:transition>
+    </mc:Choice>
+    <mc:Fallback>
+      <p:transition spd="slow" advClick="0" advTm="5000">
+        <p:random/>
+        <p:sndAc>
+          <p:stSnd>
+            <p:snd r:embed="rId2" name="camera.wav"/>
+          </p:stSnd>
+        </p:sndAc>
+      </p:transition>
+    </mc:Fallback>
+  </mc:AlternateContent>
 </p:sld>
 </file>
 
@@ -4097,7 +4515,7 @@
           <p:nvPr/>
         </p:nvPicPr>
         <p:blipFill>
-          <a:blip r:embed="rId2">
+          <a:blip r:embed="rId3">
             <a:extLst>
               <a:ext uri="{28A0092B-C50C-407E-A947-70E740481C1C}">
                 <a14:useLocalDpi xmlns:a14="http://schemas.microsoft.com/office/drawing/2010/main" val="0"/>
@@ -4128,9 +4546,28 @@
   <p:clrMapOvr>
     <a:masterClrMapping/>
   </p:clrMapOvr>
-  <p:transition spd="slow" advClick="0" advTm="4000">
-    <p:randomBar dir="vert"/>
-  </p:transition>
+  <mc:AlternateContent xmlns:mc="http://schemas.openxmlformats.org/markup-compatibility/2006">
+    <mc:Choice xmlns:p14="http://schemas.microsoft.com/office/powerpoint/2010/main" Requires="p14">
+      <p:transition spd="slow" p14:dur="1500" advClick="0" advTm="5000">
+        <p:random/>
+        <p:sndAc>
+          <p:stSnd>
+            <p:snd r:embed="rId2" name="camera.wav"/>
+          </p:stSnd>
+        </p:sndAc>
+      </p:transition>
+    </mc:Choice>
+    <mc:Fallback>
+      <p:transition spd="slow" advClick="0" advTm="5000">
+        <p:random/>
+        <p:sndAc>
+          <p:stSnd>
+            <p:snd r:embed="rId2" name="camera.wav"/>
+          </p:stSnd>
+        </p:sndAc>
+      </p:transition>
+    </mc:Fallback>
+  </mc:AlternateContent>
 </p:sld>
 </file>
 
@@ -4166,7 +4603,7 @@
           <p:nvPr/>
         </p:nvPicPr>
         <p:blipFill>
-          <a:blip r:embed="rId2">
+          <a:blip r:embed="rId3">
             <a:extLst>
               <a:ext uri="{28A0092B-C50C-407E-A947-70E740481C1C}">
                 <a14:useLocalDpi xmlns:a14="http://schemas.microsoft.com/office/drawing/2010/main" val="0"/>
@@ -4197,9 +4634,28 @@
   <p:clrMapOvr>
     <a:masterClrMapping/>
   </p:clrMapOvr>
-  <p:transition spd="slow" advClick="0" advTm="4000">
-    <p:randomBar dir="vert"/>
-  </p:transition>
+  <mc:AlternateContent xmlns:mc="http://schemas.openxmlformats.org/markup-compatibility/2006">
+    <mc:Choice xmlns:p14="http://schemas.microsoft.com/office/powerpoint/2010/main" Requires="p14">
+      <p:transition spd="slow" p14:dur="1500" advClick="0" advTm="5000">
+        <p:random/>
+        <p:sndAc>
+          <p:stSnd>
+            <p:snd r:embed="rId2" name="camera.wav"/>
+          </p:stSnd>
+        </p:sndAc>
+      </p:transition>
+    </mc:Choice>
+    <mc:Fallback>
+      <p:transition spd="slow" advClick="0" advTm="5000">
+        <p:random/>
+        <p:sndAc>
+          <p:stSnd>
+            <p:snd r:embed="rId2" name="camera.wav"/>
+          </p:stSnd>
+        </p:sndAc>
+      </p:transition>
+    </mc:Fallback>
+  </mc:AlternateContent>
 </p:sld>
 </file>
 
@@ -4235,7 +4691,7 @@
           <p:nvPr/>
         </p:nvPicPr>
         <p:blipFill>
-          <a:blip r:embed="rId2">
+          <a:blip r:embed="rId3">
             <a:extLst>
               <a:ext uri="{28A0092B-C50C-407E-A947-70E740481C1C}">
                 <a14:useLocalDpi xmlns:a14="http://schemas.microsoft.com/office/drawing/2010/main" val="0"/>
@@ -4266,9 +4722,28 @@
   <p:clrMapOvr>
     <a:masterClrMapping/>
   </p:clrMapOvr>
-  <p:transition spd="slow" advClick="0" advTm="4000">
-    <p:randomBar dir="vert"/>
-  </p:transition>
+  <mc:AlternateContent xmlns:mc="http://schemas.openxmlformats.org/markup-compatibility/2006">
+    <mc:Choice xmlns:p14="http://schemas.microsoft.com/office/powerpoint/2010/main" Requires="p14">
+      <p:transition spd="slow" p14:dur="1500" advClick="0" advTm="5000">
+        <p:random/>
+        <p:sndAc>
+          <p:stSnd>
+            <p:snd r:embed="rId2" name="camera.wav"/>
+          </p:stSnd>
+        </p:sndAc>
+      </p:transition>
+    </mc:Choice>
+    <mc:Fallback>
+      <p:transition spd="slow" advClick="0" advTm="5000">
+        <p:random/>
+        <p:sndAc>
+          <p:stSnd>
+            <p:snd r:embed="rId2" name="camera.wav"/>
+          </p:stSnd>
+        </p:sndAc>
+      </p:transition>
+    </mc:Fallback>
+  </mc:AlternateContent>
 </p:sld>
 </file>
 
@@ -4304,7 +4779,7 @@
           <p:nvPr/>
         </p:nvPicPr>
         <p:blipFill>
-          <a:blip r:embed="rId2">
+          <a:blip r:embed="rId3">
             <a:extLst>
               <a:ext uri="{28A0092B-C50C-407E-A947-70E740481C1C}">
                 <a14:useLocalDpi xmlns:a14="http://schemas.microsoft.com/office/drawing/2010/main" val="0"/>
@@ -4335,9 +4810,28 @@
   <p:clrMapOvr>
     <a:masterClrMapping/>
   </p:clrMapOvr>
-  <p:transition spd="slow" advClick="0" advTm="4000">
-    <p:randomBar dir="vert"/>
-  </p:transition>
+  <mc:AlternateContent xmlns:mc="http://schemas.openxmlformats.org/markup-compatibility/2006">
+    <mc:Choice xmlns:p14="http://schemas.microsoft.com/office/powerpoint/2010/main" Requires="p14">
+      <p:transition spd="slow" p14:dur="1500" advClick="0" advTm="5000">
+        <p:random/>
+        <p:sndAc>
+          <p:stSnd>
+            <p:snd r:embed="rId2" name="camera.wav"/>
+          </p:stSnd>
+        </p:sndAc>
+      </p:transition>
+    </mc:Choice>
+    <mc:Fallback>
+      <p:transition spd="slow" advClick="0" advTm="5000">
+        <p:random/>
+        <p:sndAc>
+          <p:stSnd>
+            <p:snd r:embed="rId2" name="camera.wav"/>
+          </p:stSnd>
+        </p:sndAc>
+      </p:transition>
+    </mc:Fallback>
+  </mc:AlternateContent>
 </p:sld>
 </file>
 
@@ -4373,7 +4867,7 @@
           <p:nvPr/>
         </p:nvPicPr>
         <p:blipFill>
-          <a:blip r:embed="rId2">
+          <a:blip r:embed="rId3">
             <a:extLst>
               <a:ext uri="{28A0092B-C50C-407E-A947-70E740481C1C}">
                 <a14:useLocalDpi xmlns:a14="http://schemas.microsoft.com/office/drawing/2010/main" val="0"/>
@@ -4404,9 +4898,28 @@
   <p:clrMapOvr>
     <a:masterClrMapping/>
   </p:clrMapOvr>
-  <p:transition spd="slow" advClick="0" advTm="4000">
-    <p:randomBar dir="vert"/>
-  </p:transition>
+  <mc:AlternateContent xmlns:mc="http://schemas.openxmlformats.org/markup-compatibility/2006">
+    <mc:Choice xmlns:p14="http://schemas.microsoft.com/office/powerpoint/2010/main" Requires="p14">
+      <p:transition spd="slow" p14:dur="1500" advClick="0" advTm="5000">
+        <p:random/>
+        <p:sndAc>
+          <p:stSnd>
+            <p:snd r:embed="rId2" name="camera.wav"/>
+          </p:stSnd>
+        </p:sndAc>
+      </p:transition>
+    </mc:Choice>
+    <mc:Fallback>
+      <p:transition spd="slow" advClick="0" advTm="5000">
+        <p:random/>
+        <p:sndAc>
+          <p:stSnd>
+            <p:snd r:embed="rId2" name="camera.wav"/>
+          </p:stSnd>
+        </p:sndAc>
+      </p:transition>
+    </mc:Fallback>
+  </mc:AlternateContent>
 </p:sld>
 </file>
 
@@ -4442,7 +4955,7 @@
           <p:nvPr/>
         </p:nvPicPr>
         <p:blipFill>
-          <a:blip r:embed="rId2">
+          <a:blip r:embed="rId3">
             <a:extLst>
               <a:ext uri="{28A0092B-C50C-407E-A947-70E740481C1C}">
                 <a14:useLocalDpi xmlns:a14="http://schemas.microsoft.com/office/drawing/2010/main" val="0"/>
@@ -4473,9 +4986,28 @@
   <p:clrMapOvr>
     <a:masterClrMapping/>
   </p:clrMapOvr>
-  <p:transition spd="slow" advClick="0" advTm="4000">
-    <p:randomBar dir="vert"/>
-  </p:transition>
+  <mc:AlternateContent xmlns:mc="http://schemas.openxmlformats.org/markup-compatibility/2006">
+    <mc:Choice xmlns:p14="http://schemas.microsoft.com/office/powerpoint/2010/main" Requires="p14">
+      <p:transition spd="slow" p14:dur="1500" advClick="0" advTm="5000">
+        <p:random/>
+        <p:sndAc>
+          <p:stSnd>
+            <p:snd r:embed="rId2" name="camera.wav"/>
+          </p:stSnd>
+        </p:sndAc>
+      </p:transition>
+    </mc:Choice>
+    <mc:Fallback>
+      <p:transition spd="slow" advClick="0" advTm="5000">
+        <p:random/>
+        <p:sndAc>
+          <p:stSnd>
+            <p:snd r:embed="rId2" name="camera.wav"/>
+          </p:stSnd>
+        </p:sndAc>
+      </p:transition>
+    </mc:Fallback>
+  </mc:AlternateContent>
 </p:sld>
 </file>
 
@@ -4511,7 +5043,7 @@
           <p:nvPr/>
         </p:nvPicPr>
         <p:blipFill>
-          <a:blip r:embed="rId2">
+          <a:blip r:embed="rId3">
             <a:extLst>
               <a:ext uri="{28A0092B-C50C-407E-A947-70E740481C1C}">
                 <a14:useLocalDpi xmlns:a14="http://schemas.microsoft.com/office/drawing/2010/main" val="0"/>
@@ -4542,9 +5074,28 @@
   <p:clrMapOvr>
     <a:masterClrMapping/>
   </p:clrMapOvr>
-  <p:transition spd="slow" advClick="0" advTm="4000">
-    <p:randomBar dir="vert"/>
-  </p:transition>
+  <mc:AlternateContent xmlns:mc="http://schemas.openxmlformats.org/markup-compatibility/2006">
+    <mc:Choice xmlns:p14="http://schemas.microsoft.com/office/powerpoint/2010/main" Requires="p14">
+      <p:transition spd="slow" p14:dur="1500" advClick="0" advTm="5000">
+        <p:random/>
+        <p:sndAc>
+          <p:stSnd>
+            <p:snd r:embed="rId2" name="camera.wav"/>
+          </p:stSnd>
+        </p:sndAc>
+      </p:transition>
+    </mc:Choice>
+    <mc:Fallback>
+      <p:transition spd="slow" advClick="0" advTm="5000">
+        <p:random/>
+        <p:sndAc>
+          <p:stSnd>
+            <p:snd r:embed="rId2" name="camera.wav"/>
+          </p:stSnd>
+        </p:sndAc>
+      </p:transition>
+    </mc:Fallback>
+  </mc:AlternateContent>
 </p:sld>
 </file>
 
@@ -4580,7 +5131,7 @@
           <p:nvPr/>
         </p:nvPicPr>
         <p:blipFill>
-          <a:blip r:embed="rId2">
+          <a:blip r:embed="rId3">
             <a:extLst>
               <a:ext uri="{28A0092B-C50C-407E-A947-70E740481C1C}">
                 <a14:useLocalDpi xmlns:a14="http://schemas.microsoft.com/office/drawing/2010/main" val="0"/>
@@ -4611,9 +5162,28 @@
   <p:clrMapOvr>
     <a:masterClrMapping/>
   </p:clrMapOvr>
-  <p:transition spd="slow" advClick="0" advTm="4000">
-    <p:randomBar dir="vert"/>
-  </p:transition>
+  <mc:AlternateContent xmlns:mc="http://schemas.openxmlformats.org/markup-compatibility/2006">
+    <mc:Choice xmlns:p14="http://schemas.microsoft.com/office/powerpoint/2010/main" Requires="p14">
+      <p:transition spd="slow" p14:dur="1500" advClick="0" advTm="5000">
+        <p:random/>
+        <p:sndAc>
+          <p:stSnd>
+            <p:snd r:embed="rId2" name="camera.wav"/>
+          </p:stSnd>
+        </p:sndAc>
+      </p:transition>
+    </mc:Choice>
+    <mc:Fallback>
+      <p:transition spd="slow" advClick="0" advTm="5000">
+        <p:random/>
+        <p:sndAc>
+          <p:stSnd>
+            <p:snd r:embed="rId2" name="camera.wav"/>
+          </p:stSnd>
+        </p:sndAc>
+      </p:transition>
+    </mc:Fallback>
+  </mc:AlternateContent>
 </p:sld>
 </file>
 
@@ -4649,7 +5219,7 @@
           <p:nvPr/>
         </p:nvPicPr>
         <p:blipFill>
-          <a:blip r:embed="rId2">
+          <a:blip r:embed="rId3">
             <a:extLst>
               <a:ext uri="{28A0092B-C50C-407E-A947-70E740481C1C}">
                 <a14:useLocalDpi xmlns:a14="http://schemas.microsoft.com/office/drawing/2010/main" val="0"/>
@@ -4680,9 +5250,28 @@
   <p:clrMapOvr>
     <a:masterClrMapping/>
   </p:clrMapOvr>
-  <p:transition spd="slow" advClick="0" advTm="4000">
-    <p:randomBar dir="vert"/>
-  </p:transition>
+  <mc:AlternateContent xmlns:mc="http://schemas.openxmlformats.org/markup-compatibility/2006">
+    <mc:Choice xmlns:p14="http://schemas.microsoft.com/office/powerpoint/2010/main" Requires="p14">
+      <p:transition spd="slow" p14:dur="1500" advClick="0" advTm="5000">
+        <p:random/>
+        <p:sndAc>
+          <p:stSnd>
+            <p:snd r:embed="rId2" name="camera.wav"/>
+          </p:stSnd>
+        </p:sndAc>
+      </p:transition>
+    </mc:Choice>
+    <mc:Fallback>
+      <p:transition spd="slow" advClick="0" advTm="5000">
+        <p:random/>
+        <p:sndAc>
+          <p:stSnd>
+            <p:snd r:embed="rId2" name="camera.wav"/>
+          </p:stSnd>
+        </p:sndAc>
+      </p:transition>
+    </mc:Fallback>
+  </mc:AlternateContent>
 </p:sld>
 </file>
 
@@ -4718,7 +5307,7 @@
           <p:nvPr/>
         </p:nvPicPr>
         <p:blipFill>
-          <a:blip r:embed="rId2">
+          <a:blip r:embed="rId3">
             <a:extLst>
               <a:ext uri="{28A0092B-C50C-407E-A947-70E740481C1C}">
                 <a14:useLocalDpi xmlns:a14="http://schemas.microsoft.com/office/drawing/2010/main" val="0"/>
@@ -4749,9 +5338,28 @@
   <p:clrMapOvr>
     <a:masterClrMapping/>
   </p:clrMapOvr>
-  <p:transition spd="slow" advClick="0" advTm="4000">
-    <p:randomBar dir="vert"/>
-  </p:transition>
+  <mc:AlternateContent xmlns:mc="http://schemas.openxmlformats.org/markup-compatibility/2006">
+    <mc:Choice xmlns:p14="http://schemas.microsoft.com/office/powerpoint/2010/main" Requires="p14">
+      <p:transition spd="slow" p14:dur="1500" advClick="0" advTm="5000">
+        <p:random/>
+        <p:sndAc>
+          <p:stSnd>
+            <p:snd r:embed="rId2" name="camera.wav"/>
+          </p:stSnd>
+        </p:sndAc>
+      </p:transition>
+    </mc:Choice>
+    <mc:Fallback>
+      <p:transition spd="slow" advClick="0" advTm="5000">
+        <p:random/>
+        <p:sndAc>
+          <p:stSnd>
+            <p:snd r:embed="rId2" name="camera.wav"/>
+          </p:stSnd>
+        </p:sndAc>
+      </p:transition>
+    </mc:Fallback>
+  </mc:AlternateContent>
 </p:sld>
 </file>
 
@@ -4787,7 +5395,7 @@
           <p:nvPr/>
         </p:nvPicPr>
         <p:blipFill>
-          <a:blip r:embed="rId2">
+          <a:blip r:embed="rId3">
             <a:extLst>
               <a:ext uri="{28A0092B-C50C-407E-A947-70E740481C1C}">
                 <a14:useLocalDpi xmlns:a14="http://schemas.microsoft.com/office/drawing/2010/main" val="0"/>
@@ -4818,9 +5426,28 @@
   <p:clrMapOvr>
     <a:masterClrMapping/>
   </p:clrMapOvr>
-  <p:transition spd="slow" advClick="0" advTm="4000">
-    <p:randomBar dir="vert"/>
-  </p:transition>
+  <mc:AlternateContent xmlns:mc="http://schemas.openxmlformats.org/markup-compatibility/2006">
+    <mc:Choice xmlns:p14="http://schemas.microsoft.com/office/powerpoint/2010/main" Requires="p14">
+      <p:transition spd="slow" p14:dur="1500" advClick="0" advTm="5000">
+        <p:random/>
+        <p:sndAc>
+          <p:stSnd>
+            <p:snd r:embed="rId2" name="camera.wav"/>
+          </p:stSnd>
+        </p:sndAc>
+      </p:transition>
+    </mc:Choice>
+    <mc:Fallback>
+      <p:transition spd="slow" advClick="0" advTm="5000">
+        <p:random/>
+        <p:sndAc>
+          <p:stSnd>
+            <p:snd r:embed="rId2" name="camera.wav"/>
+          </p:stSnd>
+        </p:sndAc>
+      </p:transition>
+    </mc:Fallback>
+  </mc:AlternateContent>
 </p:sld>
 </file>
 
@@ -4856,7 +5483,7 @@
           <p:nvPr/>
         </p:nvPicPr>
         <p:blipFill>
-          <a:blip r:embed="rId2">
+          <a:blip r:embed="rId3">
             <a:extLst>
               <a:ext uri="{28A0092B-C50C-407E-A947-70E740481C1C}">
                 <a14:useLocalDpi xmlns:a14="http://schemas.microsoft.com/office/drawing/2010/main" val="0"/>
@@ -4887,9 +5514,28 @@
   <p:clrMapOvr>
     <a:masterClrMapping/>
   </p:clrMapOvr>
-  <p:transition spd="slow" advClick="0" advTm="4000">
-    <p:randomBar dir="vert"/>
-  </p:transition>
+  <mc:AlternateContent xmlns:mc="http://schemas.openxmlformats.org/markup-compatibility/2006">
+    <mc:Choice xmlns:p14="http://schemas.microsoft.com/office/powerpoint/2010/main" Requires="p14">
+      <p:transition spd="slow" p14:dur="1500" advClick="0" advTm="5000">
+        <p:random/>
+        <p:sndAc>
+          <p:stSnd>
+            <p:snd r:embed="rId2" name="camera.wav"/>
+          </p:stSnd>
+        </p:sndAc>
+      </p:transition>
+    </mc:Choice>
+    <mc:Fallback>
+      <p:transition spd="slow" advClick="0" advTm="5000">
+        <p:random/>
+        <p:sndAc>
+          <p:stSnd>
+            <p:snd r:embed="rId2" name="camera.wav"/>
+          </p:stSnd>
+        </p:sndAc>
+      </p:transition>
+    </mc:Fallback>
+  </mc:AlternateContent>
 </p:sld>
 </file>
 
@@ -4925,7 +5571,7 @@
           <p:nvPr/>
         </p:nvPicPr>
         <p:blipFill>
-          <a:blip r:embed="rId2">
+          <a:blip r:embed="rId3">
             <a:extLst>
               <a:ext uri="{28A0092B-C50C-407E-A947-70E740481C1C}">
                 <a14:useLocalDpi xmlns:a14="http://schemas.microsoft.com/office/drawing/2010/main" val="0"/>
@@ -4956,9 +5602,28 @@
   <p:clrMapOvr>
     <a:masterClrMapping/>
   </p:clrMapOvr>
-  <p:transition spd="slow" advClick="0" advTm="4000">
-    <p:randomBar dir="vert"/>
-  </p:transition>
+  <mc:AlternateContent xmlns:mc="http://schemas.openxmlformats.org/markup-compatibility/2006">
+    <mc:Choice xmlns:p14="http://schemas.microsoft.com/office/powerpoint/2010/main" Requires="p14">
+      <p:transition spd="slow" p14:dur="1500" advClick="0" advTm="5000">
+        <p:random/>
+        <p:sndAc>
+          <p:stSnd>
+            <p:snd r:embed="rId2" name="camera.wav"/>
+          </p:stSnd>
+        </p:sndAc>
+      </p:transition>
+    </mc:Choice>
+    <mc:Fallback>
+      <p:transition spd="slow" advClick="0" advTm="5000">
+        <p:random/>
+        <p:sndAc>
+          <p:stSnd>
+            <p:snd r:embed="rId2" name="camera.wav"/>
+          </p:stSnd>
+        </p:sndAc>
+      </p:transition>
+    </mc:Fallback>
+  </mc:AlternateContent>
 </p:sld>
 </file>
 
@@ -4994,7 +5659,7 @@
           <p:nvPr/>
         </p:nvPicPr>
         <p:blipFill>
-          <a:blip r:embed="rId2">
+          <a:blip r:embed="rId3">
             <a:extLst>
               <a:ext uri="{28A0092B-C50C-407E-A947-70E740481C1C}">
                 <a14:useLocalDpi xmlns:a14="http://schemas.microsoft.com/office/drawing/2010/main" val="0"/>
@@ -5025,9 +5690,28 @@
   <p:clrMapOvr>
     <a:masterClrMapping/>
   </p:clrMapOvr>
-  <p:transition spd="slow" advClick="0" advTm="4000">
-    <p:randomBar dir="vert"/>
-  </p:transition>
+  <mc:AlternateContent xmlns:mc="http://schemas.openxmlformats.org/markup-compatibility/2006">
+    <mc:Choice xmlns:p14="http://schemas.microsoft.com/office/powerpoint/2010/main" Requires="p14">
+      <p:transition spd="slow" p14:dur="1500" advClick="0" advTm="5000">
+        <p:random/>
+        <p:sndAc>
+          <p:stSnd>
+            <p:snd r:embed="rId2" name="camera.wav"/>
+          </p:stSnd>
+        </p:sndAc>
+      </p:transition>
+    </mc:Choice>
+    <mc:Fallback>
+      <p:transition spd="slow" advClick="0" advTm="5000">
+        <p:random/>
+        <p:sndAc>
+          <p:stSnd>
+            <p:snd r:embed="rId2" name="camera.wav"/>
+          </p:stSnd>
+        </p:sndAc>
+      </p:transition>
+    </mc:Fallback>
+  </mc:AlternateContent>
 </p:sld>
 </file>
 
@@ -5063,7 +5747,7 @@
           <p:nvPr/>
         </p:nvPicPr>
         <p:blipFill>
-          <a:blip r:embed="rId2">
+          <a:blip r:embed="rId3">
             <a:extLst>
               <a:ext uri="{28A0092B-C50C-407E-A947-70E740481C1C}">
                 <a14:useLocalDpi xmlns:a14="http://schemas.microsoft.com/office/drawing/2010/main" val="0"/>
@@ -5094,9 +5778,28 @@
   <p:clrMapOvr>
     <a:masterClrMapping/>
   </p:clrMapOvr>
-  <p:transition spd="slow" advClick="0" advTm="4000">
-    <p:randomBar dir="vert"/>
-  </p:transition>
+  <mc:AlternateContent xmlns:mc="http://schemas.openxmlformats.org/markup-compatibility/2006">
+    <mc:Choice xmlns:p14="http://schemas.microsoft.com/office/powerpoint/2010/main" Requires="p14">
+      <p:transition spd="slow" p14:dur="1500" advClick="0" advTm="5000">
+        <p:random/>
+        <p:sndAc>
+          <p:stSnd>
+            <p:snd r:embed="rId2" name="camera.wav"/>
+          </p:stSnd>
+        </p:sndAc>
+      </p:transition>
+    </mc:Choice>
+    <mc:Fallback>
+      <p:transition spd="slow" advClick="0" advTm="5000">
+        <p:random/>
+        <p:sndAc>
+          <p:stSnd>
+            <p:snd r:embed="rId2" name="camera.wav"/>
+          </p:stSnd>
+        </p:sndAc>
+      </p:transition>
+    </mc:Fallback>
+  </mc:AlternateContent>
 </p:sld>
 </file>
 
@@ -5132,7 +5835,7 @@
           <p:nvPr/>
         </p:nvPicPr>
         <p:blipFill>
-          <a:blip r:embed="rId2">
+          <a:blip r:embed="rId3">
             <a:extLst>
               <a:ext uri="{28A0092B-C50C-407E-A947-70E740481C1C}">
                 <a14:useLocalDpi xmlns:a14="http://schemas.microsoft.com/office/drawing/2010/main" val="0"/>
@@ -5163,9 +5866,28 @@
   <p:clrMapOvr>
     <a:masterClrMapping/>
   </p:clrMapOvr>
-  <p:transition spd="slow" advClick="0" advTm="4000">
-    <p:randomBar dir="vert"/>
-  </p:transition>
+  <mc:AlternateContent xmlns:mc="http://schemas.openxmlformats.org/markup-compatibility/2006">
+    <mc:Choice xmlns:p14="http://schemas.microsoft.com/office/powerpoint/2010/main" Requires="p14">
+      <p:transition spd="slow" p14:dur="1500" advClick="0" advTm="5000">
+        <p:random/>
+        <p:sndAc>
+          <p:stSnd>
+            <p:snd r:embed="rId2" name="camera.wav"/>
+          </p:stSnd>
+        </p:sndAc>
+      </p:transition>
+    </mc:Choice>
+    <mc:Fallback>
+      <p:transition spd="slow" advClick="0" advTm="5000">
+        <p:random/>
+        <p:sndAc>
+          <p:stSnd>
+            <p:snd r:embed="rId2" name="camera.wav"/>
+          </p:stSnd>
+        </p:sndAc>
+      </p:transition>
+    </mc:Fallback>
+  </mc:AlternateContent>
 </p:sld>
 </file>
 
@@ -5201,7 +5923,7 @@
           <p:nvPr/>
         </p:nvPicPr>
         <p:blipFill>
-          <a:blip r:embed="rId2">
+          <a:blip r:embed="rId3">
             <a:extLst>
               <a:ext uri="{28A0092B-C50C-407E-A947-70E740481C1C}">
                 <a14:useLocalDpi xmlns:a14="http://schemas.microsoft.com/office/drawing/2010/main" val="0"/>
@@ -5232,9 +5954,28 @@
   <p:clrMapOvr>
     <a:masterClrMapping/>
   </p:clrMapOvr>
-  <p:transition spd="slow" advClick="0" advTm="4000">
-    <p:randomBar dir="vert"/>
-  </p:transition>
+  <mc:AlternateContent xmlns:mc="http://schemas.openxmlformats.org/markup-compatibility/2006">
+    <mc:Choice xmlns:p14="http://schemas.microsoft.com/office/powerpoint/2010/main" Requires="p14">
+      <p:transition spd="slow" p14:dur="1500" advClick="0" advTm="5000">
+        <p:random/>
+        <p:sndAc>
+          <p:stSnd>
+            <p:snd r:embed="rId2" name="camera.wav"/>
+          </p:stSnd>
+        </p:sndAc>
+      </p:transition>
+    </mc:Choice>
+    <mc:Fallback>
+      <p:transition spd="slow" advClick="0" advTm="5000">
+        <p:random/>
+        <p:sndAc>
+          <p:stSnd>
+            <p:snd r:embed="rId2" name="camera.wav"/>
+          </p:stSnd>
+        </p:sndAc>
+      </p:transition>
+    </mc:Fallback>
+  </mc:AlternateContent>
 </p:sld>
 </file>
 
